--- a/Presentations/ModelQuantization.pptx
+++ b/Presentations/ModelQuantization.pptx
@@ -8,8 +8,12 @@
     <p:sldId id="256" r:id="rId2"/>
     <p:sldId id="257" r:id="rId3"/>
     <p:sldId id="276" r:id="rId4"/>
-    <p:sldId id="277" r:id="rId5"/>
-    <p:sldId id="263" r:id="rId6"/>
+    <p:sldId id="278" r:id="rId5"/>
+    <p:sldId id="277" r:id="rId6"/>
+    <p:sldId id="279" r:id="rId7"/>
+    <p:sldId id="280" r:id="rId8"/>
+    <p:sldId id="281" r:id="rId9"/>
+    <p:sldId id="263" r:id="rId10"/>
   </p:sldIdLst>
   <p:sldSz cx="9144000" cy="6858000" type="screen4x3"/>
   <p:notesSz cx="6858000" cy="9144000"/>
@@ -3130,16 +3134,41 @@
           <a:lstStyle/>
           <a:p>
             <a:r>
-              <a:rPr lang="en-US"/>
-              <a:t>Applications</a:t>
-            </a:r>
-            <a:endParaRPr lang="en-US" dirty="0"/>
-          </a:p>
-          <a:p>
-            <a:r>
               <a:rPr lang="en-US" dirty="0"/>
-              <a:t>Conclusions</a:t>
-            </a:r>
+              <a:t>Model Quantization – Why ?</a:t>
+            </a:r>
+          </a:p>
+          <a:p>
+            <a:r>
+              <a:rPr lang="en-US" dirty="0"/>
+              <a:t>FP32</a:t>
+            </a:r>
+          </a:p>
+          <a:p>
+            <a:r>
+              <a:rPr lang="en-US" dirty="0"/>
+              <a:t>Model Quantization – How ?</a:t>
+            </a:r>
+          </a:p>
+          <a:p>
+            <a:r>
+              <a:rPr lang="en-US" dirty="0"/>
+              <a:t>FP16</a:t>
+            </a:r>
+          </a:p>
+          <a:p>
+            <a:r>
+              <a:rPr lang="en-US" dirty="0"/>
+              <a:t>BFLOAT16</a:t>
+            </a:r>
+          </a:p>
+          <a:p>
+            <a:r>
+              <a:rPr lang="en-US" dirty="0"/>
+              <a:t>INT8</a:t>
+            </a:r>
+          </a:p>
+          <a:p>
             <a:endParaRPr lang="en-IN" dirty="0"/>
           </a:p>
           <a:p>
@@ -3204,7 +3233,7 @@
             <a:pPr algn="ctr"/>
             <a:r>
               <a:rPr lang="en-US" dirty="0"/>
-              <a:t>Applications</a:t>
+              <a:t>Model Quantization – Why ?</a:t>
             </a:r>
             <a:endParaRPr lang="en-IN" dirty="0"/>
           </a:p>
@@ -3231,7 +3260,68 @@
           <a:bodyPr/>
           <a:lstStyle/>
           <a:p>
-            <a:endParaRPr lang="en-IN"/>
+            <a:r>
+              <a:rPr lang="en-US" dirty="0"/>
+              <a:t>FP32</a:t>
+            </a:r>
+          </a:p>
+          <a:p>
+            <a:pPr lvl="1"/>
+            <a:r>
+              <a:rPr lang="en-US" dirty="0"/>
+              <a:t>4 bytes per parameter</a:t>
+            </a:r>
+          </a:p>
+          <a:p>
+            <a:pPr lvl="1"/>
+            <a:r>
+              <a:rPr lang="en-US" dirty="0"/>
+              <a:t>Full precision</a:t>
+            </a:r>
+          </a:p>
+          <a:p>
+            <a:r>
+              <a:rPr lang="en-US" dirty="0"/>
+              <a:t>Store model</a:t>
+            </a:r>
+          </a:p>
+          <a:p>
+            <a:pPr lvl="1"/>
+            <a:r>
+              <a:rPr lang="en-US" dirty="0"/>
+              <a:t>1B parameters </a:t>
+            </a:r>
+          </a:p>
+          <a:p>
+            <a:pPr lvl="1"/>
+            <a:r>
+              <a:rPr lang="en-US" dirty="0"/>
+              <a:t>4  GB memory @ full precision</a:t>
+            </a:r>
+          </a:p>
+          <a:p>
+            <a:r>
+              <a:rPr lang="en-US" dirty="0"/>
+              <a:t>Train model</a:t>
+            </a:r>
+          </a:p>
+          <a:p>
+            <a:pPr lvl="1"/>
+            <a:r>
+              <a:rPr lang="en-US" dirty="0"/>
+              <a:t>1B parameters </a:t>
+            </a:r>
+          </a:p>
+          <a:p>
+            <a:pPr lvl="1"/>
+            <a:r>
+              <a:rPr lang="en-US" dirty="0"/>
+              <a:t>24  GB memory @ full precision</a:t>
+            </a:r>
+          </a:p>
+          <a:p>
+            <a:pPr lvl="1"/>
+            <a:endParaRPr lang="en-US" dirty="0"/>
           </a:p>
         </p:txBody>
       </p:sp>
@@ -3289,7 +3379,7 @@
             <a:pPr algn="ctr"/>
             <a:r>
               <a:rPr lang="en-US" dirty="0"/>
-              <a:t>Conclusions</a:t>
+              <a:t>FP32</a:t>
             </a:r>
             <a:endParaRPr lang="en-IN" dirty="0"/>
           </a:p>
@@ -3316,7 +3406,128 @@
           <a:bodyPr/>
           <a:lstStyle/>
           <a:p>
-            <a:endParaRPr lang="en-IN"/>
+            <a:r>
+              <a:rPr lang="en-US" dirty="0"/>
+              <a:t>Sign bit – 1 bit</a:t>
+            </a:r>
+          </a:p>
+          <a:p>
+            <a:r>
+              <a:rPr lang="en-US" dirty="0"/>
+              <a:t>Exponent – 8 bits</a:t>
+            </a:r>
+          </a:p>
+          <a:p>
+            <a:r>
+              <a:rPr lang="en-US" dirty="0"/>
+              <a:t>Fraction – 23 bits</a:t>
+            </a:r>
+          </a:p>
+          <a:p>
+            <a:endParaRPr lang="en-IN" dirty="0"/>
+          </a:p>
+        </p:txBody>
+      </p:sp>
+    </p:spTree>
+    <p:extLst>
+      <p:ext uri="{BB962C8B-B14F-4D97-AF65-F5344CB8AC3E}">
+        <p14:creationId xmlns:p14="http://schemas.microsoft.com/office/powerpoint/2010/main" val="277179979"/>
+      </p:ext>
+    </p:extLst>
+  </p:cSld>
+  <p:clrMapOvr>
+    <a:masterClrMapping/>
+  </p:clrMapOvr>
+</p:sld>
+</file>
+
+<file path=ppt/slides/slide5.xml><?xml version="1.0" encoding="utf-8"?>
+<p:sld xmlns:a="http://schemas.openxmlformats.org/drawingml/2006/main" xmlns:r="http://schemas.openxmlformats.org/officeDocument/2006/relationships" xmlns:p="http://schemas.openxmlformats.org/presentationml/2006/main">
+  <p:cSld>
+    <p:spTree>
+      <p:nvGrpSpPr>
+        <p:cNvPr id="1" name=""/>
+        <p:cNvGrpSpPr/>
+        <p:nvPr/>
+      </p:nvGrpSpPr>
+      <p:grpSpPr>
+        <a:xfrm>
+          <a:off x="0" y="0"/>
+          <a:ext cx="0" cy="0"/>
+          <a:chOff x="0" y="0"/>
+          <a:chExt cx="0" cy="0"/>
+        </a:xfrm>
+      </p:grpSpPr>
+      <p:sp>
+        <p:nvSpPr>
+          <p:cNvPr id="2" name="Title 1">
+            <a:extLst>
+              <a:ext uri="{FF2B5EF4-FFF2-40B4-BE49-F238E27FC236}">
+                <a16:creationId xmlns:a16="http://schemas.microsoft.com/office/drawing/2014/main" id="{B440959B-5257-9D91-3B61-5C46F1F96D6B}"/>
+              </a:ext>
+            </a:extLst>
+          </p:cNvPr>
+          <p:cNvSpPr>
+            <a:spLocks noGrp="1"/>
+          </p:cNvSpPr>
+          <p:nvPr>
+            <p:ph type="title"/>
+          </p:nvPr>
+        </p:nvSpPr>
+        <p:spPr/>
+        <p:txBody>
+          <a:bodyPr/>
+          <a:lstStyle/>
+          <a:p>
+            <a:pPr algn="ctr"/>
+            <a:r>
+              <a:rPr lang="en-US" dirty="0"/>
+              <a:t>Model Quantization – How ?</a:t>
+            </a:r>
+            <a:endParaRPr lang="en-IN" dirty="0"/>
+          </a:p>
+        </p:txBody>
+      </p:sp>
+      <p:sp>
+        <p:nvSpPr>
+          <p:cNvPr id="3" name="Content Placeholder 2">
+            <a:extLst>
+              <a:ext uri="{FF2B5EF4-FFF2-40B4-BE49-F238E27FC236}">
+                <a16:creationId xmlns:a16="http://schemas.microsoft.com/office/drawing/2014/main" id="{83AE5D9F-CE13-09AA-2234-6FF43C2EBB41}"/>
+              </a:ext>
+            </a:extLst>
+          </p:cNvPr>
+          <p:cNvSpPr>
+            <a:spLocks noGrp="1"/>
+          </p:cNvSpPr>
+          <p:nvPr>
+            <p:ph idx="1"/>
+          </p:nvPr>
+        </p:nvSpPr>
+        <p:spPr/>
+        <p:txBody>
+          <a:bodyPr/>
+          <a:lstStyle/>
+          <a:p>
+            <a:r>
+              <a:rPr lang="en-US" dirty="0"/>
+              <a:t>FP16</a:t>
+            </a:r>
+          </a:p>
+          <a:p>
+            <a:r>
+              <a:rPr lang="en-US" dirty="0"/>
+              <a:t>BFLOAT16</a:t>
+            </a:r>
+          </a:p>
+          <a:p>
+            <a:r>
+              <a:rPr lang="en-US" dirty="0"/>
+              <a:t>INT8</a:t>
+            </a:r>
+          </a:p>
+          <a:p>
+            <a:endParaRPr lang="en-IN" dirty="0"/>
           </a:p>
         </p:txBody>
       </p:sp>
@@ -3333,7 +3544,316 @@
 </p:sld>
 </file>
 
-<file path=ppt/slides/slide5.xml><?xml version="1.0" encoding="utf-8"?>
+<file path=ppt/slides/slide6.xml><?xml version="1.0" encoding="utf-8"?>
+<p:sld xmlns:a="http://schemas.openxmlformats.org/drawingml/2006/main" xmlns:r="http://schemas.openxmlformats.org/officeDocument/2006/relationships" xmlns:p="http://schemas.openxmlformats.org/presentationml/2006/main">
+  <p:cSld>
+    <p:spTree>
+      <p:nvGrpSpPr>
+        <p:cNvPr id="1" name=""/>
+        <p:cNvGrpSpPr/>
+        <p:nvPr/>
+      </p:nvGrpSpPr>
+      <p:grpSpPr>
+        <a:xfrm>
+          <a:off x="0" y="0"/>
+          <a:ext cx="0" cy="0"/>
+          <a:chOff x="0" y="0"/>
+          <a:chExt cx="0" cy="0"/>
+        </a:xfrm>
+      </p:grpSpPr>
+      <p:sp>
+        <p:nvSpPr>
+          <p:cNvPr id="2" name="Title 1">
+            <a:extLst>
+              <a:ext uri="{FF2B5EF4-FFF2-40B4-BE49-F238E27FC236}">
+                <a16:creationId xmlns:a16="http://schemas.microsoft.com/office/drawing/2014/main" id="{B440959B-5257-9D91-3B61-5C46F1F96D6B}"/>
+              </a:ext>
+            </a:extLst>
+          </p:cNvPr>
+          <p:cNvSpPr>
+            <a:spLocks noGrp="1"/>
+          </p:cNvSpPr>
+          <p:nvPr>
+            <p:ph type="title"/>
+          </p:nvPr>
+        </p:nvSpPr>
+        <p:spPr/>
+        <p:txBody>
+          <a:bodyPr/>
+          <a:lstStyle/>
+          <a:p>
+            <a:pPr algn="ctr"/>
+            <a:r>
+              <a:rPr lang="en-US" dirty="0"/>
+              <a:t>FP16</a:t>
+            </a:r>
+            <a:endParaRPr lang="en-IN" dirty="0"/>
+          </a:p>
+        </p:txBody>
+      </p:sp>
+      <p:sp>
+        <p:nvSpPr>
+          <p:cNvPr id="3" name="Content Placeholder 2">
+            <a:extLst>
+              <a:ext uri="{FF2B5EF4-FFF2-40B4-BE49-F238E27FC236}">
+                <a16:creationId xmlns:a16="http://schemas.microsoft.com/office/drawing/2014/main" id="{83AE5D9F-CE13-09AA-2234-6FF43C2EBB41}"/>
+              </a:ext>
+            </a:extLst>
+          </p:cNvPr>
+          <p:cNvSpPr>
+            <a:spLocks noGrp="1"/>
+          </p:cNvSpPr>
+          <p:nvPr>
+            <p:ph idx="1"/>
+          </p:nvPr>
+        </p:nvSpPr>
+        <p:spPr/>
+        <p:txBody>
+          <a:bodyPr/>
+          <a:lstStyle/>
+          <a:p>
+            <a:r>
+              <a:rPr lang="en-US" dirty="0"/>
+              <a:t>Sign bit – 1 bit</a:t>
+            </a:r>
+          </a:p>
+          <a:p>
+            <a:r>
+              <a:rPr lang="en-US" dirty="0"/>
+              <a:t>Exponent – 5 bits</a:t>
+            </a:r>
+          </a:p>
+          <a:p>
+            <a:r>
+              <a:rPr lang="en-US" dirty="0"/>
+              <a:t>Fraction – 10 bits</a:t>
+            </a:r>
+          </a:p>
+          <a:p>
+            <a:endParaRPr lang="en-IN" dirty="0"/>
+          </a:p>
+        </p:txBody>
+      </p:sp>
+    </p:spTree>
+    <p:extLst>
+      <p:ext uri="{BB962C8B-B14F-4D97-AF65-F5344CB8AC3E}">
+        <p14:creationId xmlns:p14="http://schemas.microsoft.com/office/powerpoint/2010/main" val="2349872802"/>
+      </p:ext>
+    </p:extLst>
+  </p:cSld>
+  <p:clrMapOvr>
+    <a:masterClrMapping/>
+  </p:clrMapOvr>
+</p:sld>
+</file>
+
+<file path=ppt/slides/slide7.xml><?xml version="1.0" encoding="utf-8"?>
+<p:sld xmlns:a="http://schemas.openxmlformats.org/drawingml/2006/main" xmlns:r="http://schemas.openxmlformats.org/officeDocument/2006/relationships" xmlns:p="http://schemas.openxmlformats.org/presentationml/2006/main">
+  <p:cSld>
+    <p:spTree>
+      <p:nvGrpSpPr>
+        <p:cNvPr id="1" name=""/>
+        <p:cNvGrpSpPr/>
+        <p:nvPr/>
+      </p:nvGrpSpPr>
+      <p:grpSpPr>
+        <a:xfrm>
+          <a:off x="0" y="0"/>
+          <a:ext cx="0" cy="0"/>
+          <a:chOff x="0" y="0"/>
+          <a:chExt cx="0" cy="0"/>
+        </a:xfrm>
+      </p:grpSpPr>
+      <p:sp>
+        <p:nvSpPr>
+          <p:cNvPr id="2" name="Title 1">
+            <a:extLst>
+              <a:ext uri="{FF2B5EF4-FFF2-40B4-BE49-F238E27FC236}">
+                <a16:creationId xmlns:a16="http://schemas.microsoft.com/office/drawing/2014/main" id="{B440959B-5257-9D91-3B61-5C46F1F96D6B}"/>
+              </a:ext>
+            </a:extLst>
+          </p:cNvPr>
+          <p:cNvSpPr>
+            <a:spLocks noGrp="1"/>
+          </p:cNvSpPr>
+          <p:nvPr>
+            <p:ph type="title"/>
+          </p:nvPr>
+        </p:nvSpPr>
+        <p:spPr/>
+        <p:txBody>
+          <a:bodyPr/>
+          <a:lstStyle/>
+          <a:p>
+            <a:pPr algn="ctr"/>
+            <a:r>
+              <a:rPr lang="en-US" dirty="0"/>
+              <a:t>BFLOAT16</a:t>
+            </a:r>
+            <a:endParaRPr lang="en-IN" dirty="0"/>
+          </a:p>
+        </p:txBody>
+      </p:sp>
+      <p:sp>
+        <p:nvSpPr>
+          <p:cNvPr id="3" name="Content Placeholder 2">
+            <a:extLst>
+              <a:ext uri="{FF2B5EF4-FFF2-40B4-BE49-F238E27FC236}">
+                <a16:creationId xmlns:a16="http://schemas.microsoft.com/office/drawing/2014/main" id="{83AE5D9F-CE13-09AA-2234-6FF43C2EBB41}"/>
+              </a:ext>
+            </a:extLst>
+          </p:cNvPr>
+          <p:cNvSpPr>
+            <a:spLocks noGrp="1"/>
+          </p:cNvSpPr>
+          <p:nvPr>
+            <p:ph idx="1"/>
+          </p:nvPr>
+        </p:nvSpPr>
+        <p:spPr/>
+        <p:txBody>
+          <a:bodyPr/>
+          <a:lstStyle/>
+          <a:p>
+            <a:r>
+              <a:rPr lang="en-US" dirty="0"/>
+              <a:t>Sign bit – 1 bit</a:t>
+            </a:r>
+          </a:p>
+          <a:p>
+            <a:r>
+              <a:rPr lang="en-US" dirty="0"/>
+              <a:t>Exponent – 8 bits</a:t>
+            </a:r>
+          </a:p>
+          <a:p>
+            <a:r>
+              <a:rPr lang="en-US" dirty="0"/>
+              <a:t>Fraction – 7 bits</a:t>
+            </a:r>
+          </a:p>
+          <a:p>
+            <a:endParaRPr lang="en-IN" dirty="0"/>
+          </a:p>
+        </p:txBody>
+      </p:sp>
+    </p:spTree>
+    <p:extLst>
+      <p:ext uri="{BB962C8B-B14F-4D97-AF65-F5344CB8AC3E}">
+        <p14:creationId xmlns:p14="http://schemas.microsoft.com/office/powerpoint/2010/main" val="2328183142"/>
+      </p:ext>
+    </p:extLst>
+  </p:cSld>
+  <p:clrMapOvr>
+    <a:masterClrMapping/>
+  </p:clrMapOvr>
+</p:sld>
+</file>
+
+<file path=ppt/slides/slide8.xml><?xml version="1.0" encoding="utf-8"?>
+<p:sld xmlns:a="http://schemas.openxmlformats.org/drawingml/2006/main" xmlns:r="http://schemas.openxmlformats.org/officeDocument/2006/relationships" xmlns:p="http://schemas.openxmlformats.org/presentationml/2006/main">
+  <p:cSld>
+    <p:spTree>
+      <p:nvGrpSpPr>
+        <p:cNvPr id="1" name=""/>
+        <p:cNvGrpSpPr/>
+        <p:nvPr/>
+      </p:nvGrpSpPr>
+      <p:grpSpPr>
+        <a:xfrm>
+          <a:off x="0" y="0"/>
+          <a:ext cx="0" cy="0"/>
+          <a:chOff x="0" y="0"/>
+          <a:chExt cx="0" cy="0"/>
+        </a:xfrm>
+      </p:grpSpPr>
+      <p:sp>
+        <p:nvSpPr>
+          <p:cNvPr id="2" name="Title 1">
+            <a:extLst>
+              <a:ext uri="{FF2B5EF4-FFF2-40B4-BE49-F238E27FC236}">
+                <a16:creationId xmlns:a16="http://schemas.microsoft.com/office/drawing/2014/main" id="{B440959B-5257-9D91-3B61-5C46F1F96D6B}"/>
+              </a:ext>
+            </a:extLst>
+          </p:cNvPr>
+          <p:cNvSpPr>
+            <a:spLocks noGrp="1"/>
+          </p:cNvSpPr>
+          <p:nvPr>
+            <p:ph type="title"/>
+          </p:nvPr>
+        </p:nvSpPr>
+        <p:spPr/>
+        <p:txBody>
+          <a:bodyPr/>
+          <a:lstStyle/>
+          <a:p>
+            <a:pPr algn="ctr"/>
+            <a:r>
+              <a:rPr lang="en-US" dirty="0"/>
+              <a:t>INT8</a:t>
+            </a:r>
+            <a:endParaRPr lang="en-IN" dirty="0"/>
+          </a:p>
+        </p:txBody>
+      </p:sp>
+      <p:sp>
+        <p:nvSpPr>
+          <p:cNvPr id="3" name="Content Placeholder 2">
+            <a:extLst>
+              <a:ext uri="{FF2B5EF4-FFF2-40B4-BE49-F238E27FC236}">
+                <a16:creationId xmlns:a16="http://schemas.microsoft.com/office/drawing/2014/main" id="{83AE5D9F-CE13-09AA-2234-6FF43C2EBB41}"/>
+              </a:ext>
+            </a:extLst>
+          </p:cNvPr>
+          <p:cNvSpPr>
+            <a:spLocks noGrp="1"/>
+          </p:cNvSpPr>
+          <p:nvPr>
+            <p:ph idx="1"/>
+          </p:nvPr>
+        </p:nvSpPr>
+        <p:spPr/>
+        <p:txBody>
+          <a:bodyPr/>
+          <a:lstStyle/>
+          <a:p>
+            <a:r>
+              <a:rPr lang="en-US" dirty="0"/>
+              <a:t>Sign bit – 1 bit</a:t>
+            </a:r>
+          </a:p>
+          <a:p>
+            <a:r>
+              <a:rPr lang="en-US" dirty="0"/>
+              <a:t>Exponent – 0 bits</a:t>
+            </a:r>
+          </a:p>
+          <a:p>
+            <a:r>
+              <a:rPr lang="en-US" dirty="0"/>
+              <a:t>Fraction – 7 bits</a:t>
+            </a:r>
+          </a:p>
+          <a:p>
+            <a:endParaRPr lang="en-IN" dirty="0"/>
+          </a:p>
+        </p:txBody>
+      </p:sp>
+    </p:spTree>
+    <p:extLst>
+      <p:ext uri="{BB962C8B-B14F-4D97-AF65-F5344CB8AC3E}">
+        <p14:creationId xmlns:p14="http://schemas.microsoft.com/office/powerpoint/2010/main" val="460421293"/>
+      </p:ext>
+    </p:extLst>
+  </p:cSld>
+  <p:clrMapOvr>
+    <a:masterClrMapping/>
+  </p:clrMapOvr>
+</p:sld>
+</file>
+
+<file path=ppt/slides/slide9.xml><?xml version="1.0" encoding="utf-8"?>
 <p:sld xmlns:a="http://schemas.openxmlformats.org/drawingml/2006/main" xmlns:r="http://schemas.openxmlformats.org/officeDocument/2006/relationships" xmlns:p="http://schemas.openxmlformats.org/presentationml/2006/main">
   <p:cSld>
     <p:spTree>

--- a/Presentations/ModelQuantization.pptx
+++ b/Presentations/ModelQuantization.pptx
@@ -3729,11 +3729,27 @@
           <a:p>
             <a:r>
               <a:rPr lang="en-US" dirty="0"/>
+              <a:t>Fraction truncation </a:t>
+            </a:r>
+          </a:p>
+          <a:p>
+            <a:pPr lvl="1"/>
+            <a:r>
+              <a:rPr lang="en-US"/>
+              <a:t>FP32</a:t>
+            </a:r>
+          </a:p>
+          <a:p>
+            <a:r>
+              <a:rPr lang="en-US" dirty="0"/>
               <a:t>Fraction – 7 bits</a:t>
             </a:r>
           </a:p>
           <a:p>
-            <a:endParaRPr lang="en-IN" dirty="0"/>
+            <a:r>
+              <a:rPr lang="en-IN" dirty="0"/>
+              <a:t>Training stability</a:t>
+            </a:r>
           </a:p>
         </p:txBody>
       </p:sp>
